--- a/Image-Factory/draw.pptx
+++ b/Image-Factory/draw.pptx
@@ -259,7 +259,7 @@
           <a:p>
             <a:fld id="{AA8B1072-0761-4615-9203-115E22630CEF}" type="datetimeFigureOut">
               <a:rPr lang="zh-CN" altLang="en-US" smtClean="0"/>
-              <a:t>2022/5/3</a:t>
+              <a:t>2022/5/29</a:t>
             </a:fld>
             <a:endParaRPr lang="zh-CN" altLang="en-US"/>
           </a:p>
@@ -457,7 +457,7 @@
           <a:p>
             <a:fld id="{AA8B1072-0761-4615-9203-115E22630CEF}" type="datetimeFigureOut">
               <a:rPr lang="zh-CN" altLang="en-US" smtClean="0"/>
-              <a:t>2022/5/3</a:t>
+              <a:t>2022/5/29</a:t>
             </a:fld>
             <a:endParaRPr lang="zh-CN" altLang="en-US"/>
           </a:p>
@@ -665,7 +665,7 @@
           <a:p>
             <a:fld id="{AA8B1072-0761-4615-9203-115E22630CEF}" type="datetimeFigureOut">
               <a:rPr lang="zh-CN" altLang="en-US" smtClean="0"/>
-              <a:t>2022/5/3</a:t>
+              <a:t>2022/5/29</a:t>
             </a:fld>
             <a:endParaRPr lang="zh-CN" altLang="en-US"/>
           </a:p>
@@ -863,7 +863,7 @@
           <a:p>
             <a:fld id="{AA8B1072-0761-4615-9203-115E22630CEF}" type="datetimeFigureOut">
               <a:rPr lang="zh-CN" altLang="en-US" smtClean="0"/>
-              <a:t>2022/5/3</a:t>
+              <a:t>2022/5/29</a:t>
             </a:fld>
             <a:endParaRPr lang="zh-CN" altLang="en-US"/>
           </a:p>
@@ -1138,7 +1138,7 @@
           <a:p>
             <a:fld id="{AA8B1072-0761-4615-9203-115E22630CEF}" type="datetimeFigureOut">
               <a:rPr lang="zh-CN" altLang="en-US" smtClean="0"/>
-              <a:t>2022/5/3</a:t>
+              <a:t>2022/5/29</a:t>
             </a:fld>
             <a:endParaRPr lang="zh-CN" altLang="en-US"/>
           </a:p>
@@ -1403,7 +1403,7 @@
           <a:p>
             <a:fld id="{AA8B1072-0761-4615-9203-115E22630CEF}" type="datetimeFigureOut">
               <a:rPr lang="zh-CN" altLang="en-US" smtClean="0"/>
-              <a:t>2022/5/3</a:t>
+              <a:t>2022/5/29</a:t>
             </a:fld>
             <a:endParaRPr lang="zh-CN" altLang="en-US"/>
           </a:p>
@@ -1815,7 +1815,7 @@
           <a:p>
             <a:fld id="{AA8B1072-0761-4615-9203-115E22630CEF}" type="datetimeFigureOut">
               <a:rPr lang="zh-CN" altLang="en-US" smtClean="0"/>
-              <a:t>2022/5/3</a:t>
+              <a:t>2022/5/29</a:t>
             </a:fld>
             <a:endParaRPr lang="zh-CN" altLang="en-US"/>
           </a:p>
@@ -1956,7 +1956,7 @@
           <a:p>
             <a:fld id="{AA8B1072-0761-4615-9203-115E22630CEF}" type="datetimeFigureOut">
               <a:rPr lang="zh-CN" altLang="en-US" smtClean="0"/>
-              <a:t>2022/5/3</a:t>
+              <a:t>2022/5/29</a:t>
             </a:fld>
             <a:endParaRPr lang="zh-CN" altLang="en-US"/>
           </a:p>
@@ -2069,7 +2069,7 @@
           <a:p>
             <a:fld id="{AA8B1072-0761-4615-9203-115E22630CEF}" type="datetimeFigureOut">
               <a:rPr lang="zh-CN" altLang="en-US" smtClean="0"/>
-              <a:t>2022/5/3</a:t>
+              <a:t>2022/5/29</a:t>
             </a:fld>
             <a:endParaRPr lang="zh-CN" altLang="en-US"/>
           </a:p>
@@ -2380,7 +2380,7 @@
           <a:p>
             <a:fld id="{AA8B1072-0761-4615-9203-115E22630CEF}" type="datetimeFigureOut">
               <a:rPr lang="zh-CN" altLang="en-US" smtClean="0"/>
-              <a:t>2022/5/3</a:t>
+              <a:t>2022/5/29</a:t>
             </a:fld>
             <a:endParaRPr lang="zh-CN" altLang="en-US"/>
           </a:p>
@@ -2668,7 +2668,7 @@
           <a:p>
             <a:fld id="{AA8B1072-0761-4615-9203-115E22630CEF}" type="datetimeFigureOut">
               <a:rPr lang="zh-CN" altLang="en-US" smtClean="0"/>
-              <a:t>2022/5/3</a:t>
+              <a:t>2022/5/29</a:t>
             </a:fld>
             <a:endParaRPr lang="zh-CN" altLang="en-US"/>
           </a:p>
@@ -2909,7 +2909,7 @@
           <a:p>
             <a:fld id="{AA8B1072-0761-4615-9203-115E22630CEF}" type="datetimeFigureOut">
               <a:rPr lang="zh-CN" altLang="en-US" smtClean="0"/>
-              <a:t>2022/5/3</a:t>
+              <a:t>2022/5/29</a:t>
             </a:fld>
             <a:endParaRPr lang="zh-CN" altLang="en-US"/>
           </a:p>
@@ -3766,7 +3766,7 @@
                   <a:latin typeface="Cambria Math" panose="02040503050406030204" pitchFamily="18" charset="0"/>
                   <a:ea typeface="Cambria Math" panose="02040503050406030204" pitchFamily="18" charset="0"/>
                 </a:rPr>
-                <a:t>X</a:t>
+                <a:t>A</a:t>
               </a:r>
               <a:r>
                 <a:rPr lang="en-US" altLang="zh-CN" sz="2000" baseline="-25000" dirty="0">
@@ -3786,7 +3786,7 @@
                   <a:latin typeface="Cambria Math" panose="02040503050406030204" pitchFamily="18" charset="0"/>
                   <a:ea typeface="Cambria Math" panose="02040503050406030204" pitchFamily="18" charset="0"/>
                 </a:rPr>
-                <a:t> \ g(Y</a:t>
+                <a:t> \ g(B</a:t>
               </a:r>
               <a:r>
                 <a:rPr lang="en-US" altLang="zh-CN" sz="2000" baseline="-25000" dirty="0">
@@ -3861,7 +3861,7 @@
                   <a:ea typeface="Cambria Math" panose="02040503050406030204" pitchFamily="18" charset="0"/>
                   <a:cs typeface="+mn-cs"/>
                 </a:rPr>
-                <a:t>Y</a:t>
+                <a:t>B</a:t>
               </a:r>
               <a:r>
                 <a:rPr kumimoji="0" lang="en-US" altLang="zh-CN" sz="2000" b="0" i="0" u="none" strike="noStrike" kern="1200" cap="none" spc="0" normalizeH="0" baseline="-25000" noProof="0" dirty="0">
@@ -3905,7 +3905,7 @@
                   <a:latin typeface="Cambria Math" panose="02040503050406030204" pitchFamily="18" charset="0"/>
                   <a:ea typeface="Cambria Math" panose="02040503050406030204" pitchFamily="18" charset="0"/>
                 </a:rPr>
-                <a:t>X</a:t>
+                <a:t>A</a:t>
               </a:r>
               <a:r>
                 <a:rPr lang="en-US" altLang="zh-CN" sz="2000" baseline="-25000" dirty="0">
@@ -4011,7 +4011,7 @@
                   <a:ea typeface="Cambria Math" panose="02040503050406030204" pitchFamily="18" charset="0"/>
                   <a:cs typeface="+mn-cs"/>
                 </a:rPr>
-                <a:t>g(Y</a:t>
+                <a:t>g(B</a:t>
               </a:r>
               <a:r>
                 <a:rPr kumimoji="0" lang="en-US" altLang="zh-CN" sz="2000" b="0" i="0" u="none" strike="noStrike" kern="1200" cap="none" spc="0" normalizeH="0" baseline="-25000" noProof="0" dirty="0">
@@ -4055,7 +4055,7 @@
                   <a:latin typeface="Cambria Math" panose="02040503050406030204" pitchFamily="18" charset="0"/>
                   <a:ea typeface="Cambria Math" panose="02040503050406030204" pitchFamily="18" charset="0"/>
                 </a:rPr>
-                <a:t>X</a:t>
+                <a:t>A</a:t>
               </a:r>
               <a:r>
                 <a:rPr lang="en-US" altLang="zh-CN" sz="2000" baseline="-25000" dirty="0">
@@ -4145,7 +4145,7 @@
                   <a:ea typeface="Cambria Math" panose="02040503050406030204" pitchFamily="18" charset="0"/>
                   <a:cs typeface="+mn-cs"/>
                 </a:rPr>
-                <a:t>X</a:t>
+                <a:t>A</a:t>
               </a:r>
               <a:r>
                 <a:rPr kumimoji="0" lang="en-US" altLang="zh-CN" sz="2400" b="0" i="0" u="none" strike="noStrike" kern="1200" cap="none" spc="0" normalizeH="0" baseline="-25000" noProof="0" dirty="0">
@@ -4222,7 +4222,7 @@
                   <a:latin typeface="Cambria Math" panose="02040503050406030204" pitchFamily="18" charset="0"/>
                   <a:ea typeface="Cambria Math" panose="02040503050406030204" pitchFamily="18" charset="0"/>
                 </a:rPr>
-                <a:t>f(X</a:t>
+                <a:t>f(A</a:t>
               </a:r>
               <a:r>
                 <a:rPr lang="en-US" altLang="zh-CN" sz="2000" baseline="-25000" dirty="0">
@@ -4242,7 +4242,7 @@
                   <a:latin typeface="Cambria Math" panose="02040503050406030204" pitchFamily="18" charset="0"/>
                   <a:ea typeface="Cambria Math" panose="02040503050406030204" pitchFamily="18" charset="0"/>
                 </a:rPr>
-                <a:t> \ g(Y</a:t>
+                <a:t> \ g(B</a:t>
               </a:r>
               <a:r>
                 <a:rPr lang="en-US" altLang="zh-CN" sz="2000" baseline="-25000" dirty="0">
@@ -4310,7 +4310,7 @@
                   <a:latin typeface="Cambria Math" panose="02040503050406030204" pitchFamily="18" charset="0"/>
                   <a:ea typeface="Cambria Math" panose="02040503050406030204" pitchFamily="18" charset="0"/>
                 </a:rPr>
-                <a:t>Y</a:t>
+                <a:t>B</a:t>
               </a:r>
               <a:r>
                 <a:rPr kumimoji="0" lang="en-US" altLang="zh-CN" sz="2400" b="0" i="0" u="none" strike="noStrike" kern="1200" cap="none" spc="0" normalizeH="0" baseline="-25000" noProof="0" dirty="0">

--- a/Image-Factory/draw.pptx
+++ b/Image-Factory/draw.pptx
@@ -6,6 +6,7 @@
   </p:sldMasterIdLst>
   <p:sldIdLst>
     <p:sldId id="256" r:id="rId2"/>
+    <p:sldId id="257" r:id="rId3"/>
   </p:sldIdLst>
   <p:sldSz cx="12192000" cy="6858000"/>
   <p:notesSz cx="6858000" cy="9144000"/>
@@ -259,7 +260,7 @@
           <a:p>
             <a:fld id="{AA8B1072-0761-4615-9203-115E22630CEF}" type="datetimeFigureOut">
               <a:rPr lang="zh-CN" altLang="en-US" smtClean="0"/>
-              <a:t>2022/5/29</a:t>
+              <a:t>2022/5/30</a:t>
             </a:fld>
             <a:endParaRPr lang="zh-CN" altLang="en-US"/>
           </a:p>
@@ -457,7 +458,7 @@
           <a:p>
             <a:fld id="{AA8B1072-0761-4615-9203-115E22630CEF}" type="datetimeFigureOut">
               <a:rPr lang="zh-CN" altLang="en-US" smtClean="0"/>
-              <a:t>2022/5/29</a:t>
+              <a:t>2022/5/30</a:t>
             </a:fld>
             <a:endParaRPr lang="zh-CN" altLang="en-US"/>
           </a:p>
@@ -665,7 +666,7 @@
           <a:p>
             <a:fld id="{AA8B1072-0761-4615-9203-115E22630CEF}" type="datetimeFigureOut">
               <a:rPr lang="zh-CN" altLang="en-US" smtClean="0"/>
-              <a:t>2022/5/29</a:t>
+              <a:t>2022/5/30</a:t>
             </a:fld>
             <a:endParaRPr lang="zh-CN" altLang="en-US"/>
           </a:p>
@@ -863,7 +864,7 @@
           <a:p>
             <a:fld id="{AA8B1072-0761-4615-9203-115E22630CEF}" type="datetimeFigureOut">
               <a:rPr lang="zh-CN" altLang="en-US" smtClean="0"/>
-              <a:t>2022/5/29</a:t>
+              <a:t>2022/5/30</a:t>
             </a:fld>
             <a:endParaRPr lang="zh-CN" altLang="en-US"/>
           </a:p>
@@ -1138,7 +1139,7 @@
           <a:p>
             <a:fld id="{AA8B1072-0761-4615-9203-115E22630CEF}" type="datetimeFigureOut">
               <a:rPr lang="zh-CN" altLang="en-US" smtClean="0"/>
-              <a:t>2022/5/29</a:t>
+              <a:t>2022/5/30</a:t>
             </a:fld>
             <a:endParaRPr lang="zh-CN" altLang="en-US"/>
           </a:p>
@@ -1403,7 +1404,7 @@
           <a:p>
             <a:fld id="{AA8B1072-0761-4615-9203-115E22630CEF}" type="datetimeFigureOut">
               <a:rPr lang="zh-CN" altLang="en-US" smtClean="0"/>
-              <a:t>2022/5/29</a:t>
+              <a:t>2022/5/30</a:t>
             </a:fld>
             <a:endParaRPr lang="zh-CN" altLang="en-US"/>
           </a:p>
@@ -1815,7 +1816,7 @@
           <a:p>
             <a:fld id="{AA8B1072-0761-4615-9203-115E22630CEF}" type="datetimeFigureOut">
               <a:rPr lang="zh-CN" altLang="en-US" smtClean="0"/>
-              <a:t>2022/5/29</a:t>
+              <a:t>2022/5/30</a:t>
             </a:fld>
             <a:endParaRPr lang="zh-CN" altLang="en-US"/>
           </a:p>
@@ -1956,7 +1957,7 @@
           <a:p>
             <a:fld id="{AA8B1072-0761-4615-9203-115E22630CEF}" type="datetimeFigureOut">
               <a:rPr lang="zh-CN" altLang="en-US" smtClean="0"/>
-              <a:t>2022/5/29</a:t>
+              <a:t>2022/5/30</a:t>
             </a:fld>
             <a:endParaRPr lang="zh-CN" altLang="en-US"/>
           </a:p>
@@ -2069,7 +2070,7 @@
           <a:p>
             <a:fld id="{AA8B1072-0761-4615-9203-115E22630CEF}" type="datetimeFigureOut">
               <a:rPr lang="zh-CN" altLang="en-US" smtClean="0"/>
-              <a:t>2022/5/29</a:t>
+              <a:t>2022/5/30</a:t>
             </a:fld>
             <a:endParaRPr lang="zh-CN" altLang="en-US"/>
           </a:p>
@@ -2380,7 +2381,7 @@
           <a:p>
             <a:fld id="{AA8B1072-0761-4615-9203-115E22630CEF}" type="datetimeFigureOut">
               <a:rPr lang="zh-CN" altLang="en-US" smtClean="0"/>
-              <a:t>2022/5/29</a:t>
+              <a:t>2022/5/30</a:t>
             </a:fld>
             <a:endParaRPr lang="zh-CN" altLang="en-US"/>
           </a:p>
@@ -2668,7 +2669,7 @@
           <a:p>
             <a:fld id="{AA8B1072-0761-4615-9203-115E22630CEF}" type="datetimeFigureOut">
               <a:rPr lang="zh-CN" altLang="en-US" smtClean="0"/>
-              <a:t>2022/5/29</a:t>
+              <a:t>2022/5/30</a:t>
             </a:fld>
             <a:endParaRPr lang="zh-CN" altLang="en-US"/>
           </a:p>
@@ -2909,7 +2910,7 @@
           <a:p>
             <a:fld id="{AA8B1072-0761-4615-9203-115E22630CEF}" type="datetimeFigureOut">
               <a:rPr lang="zh-CN" altLang="en-US" smtClean="0"/>
-              <a:t>2022/5/29</a:t>
+              <a:t>2022/5/30</a:t>
             </a:fld>
             <a:endParaRPr lang="zh-CN" altLang="en-US"/>
           </a:p>
@@ -4458,6 +4459,1213 @@
 </p:sld>
 </file>
 
+<file path=ppt/slides/slide2.xml><?xml version="1.0" encoding="utf-8"?>
+<p:sld xmlns:a="http://schemas.openxmlformats.org/drawingml/2006/main" xmlns:r="http://schemas.openxmlformats.org/officeDocument/2006/relationships" xmlns:p="http://schemas.openxmlformats.org/presentationml/2006/main">
+  <p:cSld>
+    <p:spTree>
+      <p:nvGrpSpPr>
+        <p:cNvPr id="1" name=""/>
+        <p:cNvGrpSpPr/>
+        <p:nvPr/>
+      </p:nvGrpSpPr>
+      <p:grpSpPr>
+        <a:xfrm>
+          <a:off x="0" y="0"/>
+          <a:ext cx="0" cy="0"/>
+          <a:chOff x="0" y="0"/>
+          <a:chExt cx="0" cy="0"/>
+        </a:xfrm>
+      </p:grpSpPr>
+      <p:grpSp>
+        <p:nvGrpSpPr>
+          <p:cNvPr id="37" name="组合 36">
+            <a:extLst>
+              <a:ext uri="{FF2B5EF4-FFF2-40B4-BE49-F238E27FC236}">
+                <a16:creationId xmlns:a16="http://schemas.microsoft.com/office/drawing/2014/main" id="{4F40FFB7-64DF-6872-5C62-FE0806622FE0}"/>
+              </a:ext>
+            </a:extLst>
+          </p:cNvPr>
+          <p:cNvGrpSpPr/>
+          <p:nvPr/>
+        </p:nvGrpSpPr>
+        <p:grpSpPr>
+          <a:xfrm>
+            <a:off x="1968084" y="1224871"/>
+            <a:ext cx="8255831" cy="4131531"/>
+            <a:chOff x="1134978" y="2918662"/>
+            <a:chExt cx="10800349" cy="3234489"/>
+          </a:xfrm>
+        </p:grpSpPr>
+        <p:grpSp>
+          <p:nvGrpSpPr>
+            <p:cNvPr id="14" name="组合 13">
+              <a:extLst>
+                <a:ext uri="{FF2B5EF4-FFF2-40B4-BE49-F238E27FC236}">
+                  <a16:creationId xmlns:a16="http://schemas.microsoft.com/office/drawing/2014/main" id="{4001B011-DE21-51E2-FDDD-A7EF083BB0BF}"/>
+                </a:ext>
+              </a:extLst>
+            </p:cNvPr>
+            <p:cNvGrpSpPr/>
+            <p:nvPr/>
+          </p:nvGrpSpPr>
+          <p:grpSpPr>
+            <a:xfrm>
+              <a:off x="1134978" y="2918662"/>
+              <a:ext cx="10800349" cy="3234489"/>
+              <a:chOff x="-1155034" y="2648953"/>
+              <a:chExt cx="10800349" cy="3234489"/>
+            </a:xfrm>
+          </p:grpSpPr>
+          <p:sp>
+            <p:nvSpPr>
+              <p:cNvPr id="4" name="矩形: 圆角 3">
+                <a:extLst>
+                  <a:ext uri="{FF2B5EF4-FFF2-40B4-BE49-F238E27FC236}">
+                    <a16:creationId xmlns:a16="http://schemas.microsoft.com/office/drawing/2014/main" id="{00872F6E-E0D2-DD75-410E-57A2FA21ACE9}"/>
+                  </a:ext>
+                </a:extLst>
+              </p:cNvPr>
+              <p:cNvSpPr/>
+              <p:nvPr/>
+            </p:nvSpPr>
+            <p:spPr>
+              <a:xfrm>
+                <a:off x="671764" y="4698331"/>
+                <a:ext cx="1648327" cy="1185110"/>
+              </a:xfrm>
+              <a:prstGeom prst="roundRect">
+                <a:avLst/>
+              </a:prstGeom>
+              <a:solidFill>
+                <a:srgbClr val="4472C4">
+                  <a:alpha val="25098"/>
+                </a:srgbClr>
+              </a:solidFill>
+              <a:ln>
+                <a:solidFill>
+                  <a:srgbClr val="0033CC">
+                    <a:alpha val="30196"/>
+                  </a:srgbClr>
+                </a:solidFill>
+              </a:ln>
+            </p:spPr>
+            <p:style>
+              <a:lnRef idx="2">
+                <a:schemeClr val="accent1">
+                  <a:shade val="50000"/>
+                </a:schemeClr>
+              </a:lnRef>
+              <a:fillRef idx="1">
+                <a:schemeClr val="accent1"/>
+              </a:fillRef>
+              <a:effectRef idx="0">
+                <a:schemeClr val="accent1"/>
+              </a:effectRef>
+              <a:fontRef idx="minor">
+                <a:schemeClr val="lt1"/>
+              </a:fontRef>
+            </p:style>
+            <p:txBody>
+              <a:bodyPr rtlCol="0" anchor="ctr"/>
+              <a:lstStyle/>
+              <a:p>
+                <a:pPr algn="ctr"/>
+                <a:r>
+                  <a:rPr lang="en-US" altLang="zh-CN" sz="2400" dirty="0">
+                    <a:solidFill>
+                      <a:srgbClr val="4472C4"/>
+                    </a:solidFill>
+                    <a:latin typeface="Cambria Math" panose="02040503050406030204" pitchFamily="18" charset="0"/>
+                    <a:ea typeface="Cambria Math" panose="02040503050406030204" pitchFamily="18" charset="0"/>
+                  </a:rPr>
+                  <a:t>1</a:t>
+                </a:r>
+              </a:p>
+              <a:p>
+                <a:pPr algn="ctr"/>
+                <a:r>
+                  <a:rPr lang="en-US" altLang="zh-CN" sz="2400" dirty="0">
+                    <a:solidFill>
+                      <a:srgbClr val="4472C4"/>
+                    </a:solidFill>
+                    <a:latin typeface="Cambria Math" panose="02040503050406030204" pitchFamily="18" charset="0"/>
+                    <a:ea typeface="Cambria Math" panose="02040503050406030204" pitchFamily="18" charset="0"/>
+                  </a:rPr>
+                  <a:t>a=0</a:t>
+                </a:r>
+              </a:p>
+              <a:p>
+                <a:pPr algn="ctr"/>
+                <a:r>
+                  <a:rPr lang="en-US" altLang="zh-CN" sz="2400" dirty="0">
+                    <a:solidFill>
+                      <a:srgbClr val="4472C4"/>
+                    </a:solidFill>
+                    <a:latin typeface="Cambria Math" panose="02040503050406030204" pitchFamily="18" charset="0"/>
+                    <a:ea typeface="Cambria Math" panose="02040503050406030204" pitchFamily="18" charset="0"/>
+                  </a:rPr>
+                  <a:t>b=1</a:t>
+                </a:r>
+                <a:endParaRPr lang="zh-CN" altLang="en-US" sz="2400" dirty="0">
+                  <a:solidFill>
+                    <a:srgbClr val="4472C4"/>
+                  </a:solidFill>
+                  <a:latin typeface="Cambria Math" panose="02040503050406030204" pitchFamily="18" charset="0"/>
+                </a:endParaRPr>
+              </a:p>
+            </p:txBody>
+          </p:sp>
+          <p:sp>
+            <p:nvSpPr>
+              <p:cNvPr id="5" name="矩形: 圆角 4">
+                <a:extLst>
+                  <a:ext uri="{FF2B5EF4-FFF2-40B4-BE49-F238E27FC236}">
+                    <a16:creationId xmlns:a16="http://schemas.microsoft.com/office/drawing/2014/main" id="{DAA3310B-9E43-EE84-114C-1211E0C9E354}"/>
+                  </a:ext>
+                </a:extLst>
+              </p:cNvPr>
+              <p:cNvSpPr/>
+              <p:nvPr/>
+            </p:nvSpPr>
+            <p:spPr>
+              <a:xfrm>
+                <a:off x="2504573" y="4698332"/>
+                <a:ext cx="1648327" cy="1185110"/>
+              </a:xfrm>
+              <a:prstGeom prst="roundRect">
+                <a:avLst/>
+              </a:prstGeom>
+              <a:solidFill>
+                <a:srgbClr val="4472C4">
+                  <a:alpha val="25098"/>
+                </a:srgbClr>
+              </a:solidFill>
+              <a:ln>
+                <a:solidFill>
+                  <a:srgbClr val="0033CC">
+                    <a:alpha val="30196"/>
+                  </a:srgbClr>
+                </a:solidFill>
+              </a:ln>
+            </p:spPr>
+            <p:style>
+              <a:lnRef idx="2">
+                <a:schemeClr val="accent1">
+                  <a:shade val="50000"/>
+                </a:schemeClr>
+              </a:lnRef>
+              <a:fillRef idx="1">
+                <a:schemeClr val="accent1"/>
+              </a:fillRef>
+              <a:effectRef idx="0">
+                <a:schemeClr val="accent1"/>
+              </a:effectRef>
+              <a:fontRef idx="minor">
+                <a:schemeClr val="lt1"/>
+              </a:fontRef>
+            </p:style>
+            <p:txBody>
+              <a:bodyPr rtlCol="0" anchor="ctr"/>
+              <a:lstStyle/>
+              <a:p>
+                <a:pPr algn="ctr"/>
+                <a:r>
+                  <a:rPr lang="en-US" altLang="zh-CN" sz="2400" dirty="0">
+                    <a:solidFill>
+                      <a:srgbClr val="4472C4"/>
+                    </a:solidFill>
+                    <a:latin typeface="Cambria Math" panose="02040503050406030204" pitchFamily="18" charset="0"/>
+                    <a:ea typeface="Cambria Math" panose="02040503050406030204" pitchFamily="18" charset="0"/>
+                  </a:rPr>
+                  <a:t>2</a:t>
+                </a:r>
+              </a:p>
+              <a:p>
+                <a:pPr algn="ctr"/>
+                <a:r>
+                  <a:rPr lang="en-US" altLang="zh-CN" sz="2400" dirty="0">
+                    <a:solidFill>
+                      <a:srgbClr val="4472C4"/>
+                    </a:solidFill>
+                    <a:latin typeface="Cambria Math" panose="02040503050406030204" pitchFamily="18" charset="0"/>
+                    <a:ea typeface="Cambria Math" panose="02040503050406030204" pitchFamily="18" charset="0"/>
+                  </a:rPr>
+                  <a:t>a=0</a:t>
+                </a:r>
+              </a:p>
+              <a:p>
+                <a:pPr algn="ctr"/>
+                <a:r>
+                  <a:rPr lang="en-US" altLang="zh-CN" sz="2400" dirty="0">
+                    <a:solidFill>
+                      <a:srgbClr val="4472C4"/>
+                    </a:solidFill>
+                    <a:latin typeface="Cambria Math" panose="02040503050406030204" pitchFamily="18" charset="0"/>
+                    <a:ea typeface="Cambria Math" panose="02040503050406030204" pitchFamily="18" charset="0"/>
+                  </a:rPr>
+                  <a:t>b=1</a:t>
+                </a:r>
+                <a:endParaRPr lang="zh-CN" altLang="en-US" sz="2400" dirty="0">
+                  <a:solidFill>
+                    <a:srgbClr val="4472C4"/>
+                  </a:solidFill>
+                  <a:latin typeface="Cambria Math" panose="02040503050406030204" pitchFamily="18" charset="0"/>
+                </a:endParaRPr>
+              </a:p>
+            </p:txBody>
+          </p:sp>
+          <p:sp>
+            <p:nvSpPr>
+              <p:cNvPr id="6" name="矩形: 圆角 5">
+                <a:extLst>
+                  <a:ext uri="{FF2B5EF4-FFF2-40B4-BE49-F238E27FC236}">
+                    <a16:creationId xmlns:a16="http://schemas.microsoft.com/office/drawing/2014/main" id="{B35B2813-44C6-E7D4-D5BE-71BBCEB01259}"/>
+                  </a:ext>
+                </a:extLst>
+              </p:cNvPr>
+              <p:cNvSpPr/>
+              <p:nvPr/>
+            </p:nvSpPr>
+            <p:spPr>
+              <a:xfrm>
+                <a:off x="4335378" y="4698332"/>
+                <a:ext cx="1648327" cy="1185110"/>
+              </a:xfrm>
+              <a:prstGeom prst="roundRect">
+                <a:avLst/>
+              </a:prstGeom>
+              <a:solidFill>
+                <a:srgbClr val="4472C4">
+                  <a:alpha val="25098"/>
+                </a:srgbClr>
+              </a:solidFill>
+              <a:ln>
+                <a:solidFill>
+                  <a:srgbClr val="0033CC">
+                    <a:alpha val="30196"/>
+                  </a:srgbClr>
+                </a:solidFill>
+              </a:ln>
+            </p:spPr>
+            <p:style>
+              <a:lnRef idx="2">
+                <a:schemeClr val="accent1">
+                  <a:shade val="50000"/>
+                </a:schemeClr>
+              </a:lnRef>
+              <a:fillRef idx="1">
+                <a:schemeClr val="accent1"/>
+              </a:fillRef>
+              <a:effectRef idx="0">
+                <a:schemeClr val="accent1"/>
+              </a:effectRef>
+              <a:fontRef idx="minor">
+                <a:schemeClr val="lt1"/>
+              </a:fontRef>
+            </p:style>
+            <p:txBody>
+              <a:bodyPr rtlCol="0" anchor="ctr"/>
+              <a:lstStyle/>
+              <a:p>
+                <a:pPr algn="ctr"/>
+                <a:r>
+                  <a:rPr lang="en-US" altLang="zh-CN" sz="2400" dirty="0">
+                    <a:solidFill>
+                      <a:srgbClr val="4472C4"/>
+                    </a:solidFill>
+                    <a:latin typeface="Cambria Math" panose="02040503050406030204" pitchFamily="18" charset="0"/>
+                    <a:ea typeface="Cambria Math" panose="02040503050406030204" pitchFamily="18" charset="0"/>
+                  </a:rPr>
+                  <a:t>3</a:t>
+                </a:r>
+              </a:p>
+              <a:p>
+                <a:pPr algn="ctr"/>
+                <a:r>
+                  <a:rPr lang="en-US" altLang="zh-CN" sz="2400" dirty="0">
+                    <a:solidFill>
+                      <a:srgbClr val="4472C4"/>
+                    </a:solidFill>
+                    <a:latin typeface="Cambria Math" panose="02040503050406030204" pitchFamily="18" charset="0"/>
+                    <a:ea typeface="Cambria Math" panose="02040503050406030204" pitchFamily="18" charset="0"/>
+                  </a:rPr>
+                  <a:t>a=0</a:t>
+                </a:r>
+              </a:p>
+              <a:p>
+                <a:pPr algn="ctr"/>
+                <a:r>
+                  <a:rPr lang="en-US" altLang="zh-CN" sz="2400" dirty="0">
+                    <a:solidFill>
+                      <a:srgbClr val="4472C4"/>
+                    </a:solidFill>
+                    <a:latin typeface="Cambria Math" panose="02040503050406030204" pitchFamily="18" charset="0"/>
+                    <a:ea typeface="Cambria Math" panose="02040503050406030204" pitchFamily="18" charset="0"/>
+                  </a:rPr>
+                  <a:t>b=1</a:t>
+                </a:r>
+                <a:endParaRPr lang="zh-CN" altLang="en-US" sz="2400" dirty="0">
+                  <a:solidFill>
+                    <a:srgbClr val="4472C4"/>
+                  </a:solidFill>
+                  <a:latin typeface="Cambria Math" panose="02040503050406030204" pitchFamily="18" charset="0"/>
+                </a:endParaRPr>
+              </a:p>
+            </p:txBody>
+          </p:sp>
+          <p:sp>
+            <p:nvSpPr>
+              <p:cNvPr id="7" name="矩形: 圆角 6">
+                <a:extLst>
+                  <a:ext uri="{FF2B5EF4-FFF2-40B4-BE49-F238E27FC236}">
+                    <a16:creationId xmlns:a16="http://schemas.microsoft.com/office/drawing/2014/main" id="{1EE55654-A34C-CF68-48D7-9EDA54117DC9}"/>
+                  </a:ext>
+                </a:extLst>
+              </p:cNvPr>
+              <p:cNvSpPr/>
+              <p:nvPr/>
+            </p:nvSpPr>
+            <p:spPr>
+              <a:xfrm>
+                <a:off x="6166183" y="4698332"/>
+                <a:ext cx="1648327" cy="1185110"/>
+              </a:xfrm>
+              <a:prstGeom prst="roundRect">
+                <a:avLst/>
+              </a:prstGeom>
+              <a:solidFill>
+                <a:srgbClr val="4472C4">
+                  <a:alpha val="25098"/>
+                </a:srgbClr>
+              </a:solidFill>
+              <a:ln>
+                <a:solidFill>
+                  <a:srgbClr val="0033CC">
+                    <a:alpha val="30196"/>
+                  </a:srgbClr>
+                </a:solidFill>
+              </a:ln>
+            </p:spPr>
+            <p:style>
+              <a:lnRef idx="2">
+                <a:schemeClr val="accent1">
+                  <a:shade val="50000"/>
+                </a:schemeClr>
+              </a:lnRef>
+              <a:fillRef idx="1">
+                <a:schemeClr val="accent1"/>
+              </a:fillRef>
+              <a:effectRef idx="0">
+                <a:schemeClr val="accent1"/>
+              </a:effectRef>
+              <a:fontRef idx="minor">
+                <a:schemeClr val="lt1"/>
+              </a:fontRef>
+            </p:style>
+            <p:txBody>
+              <a:bodyPr rtlCol="0" anchor="ctr"/>
+              <a:lstStyle/>
+              <a:p>
+                <a:pPr algn="ctr"/>
+                <a:r>
+                  <a:rPr lang="en-US" altLang="zh-CN" sz="2400" dirty="0">
+                    <a:solidFill>
+                      <a:srgbClr val="4472C4"/>
+                    </a:solidFill>
+                    <a:latin typeface="Cambria Math" panose="02040503050406030204" pitchFamily="18" charset="0"/>
+                    <a:ea typeface="Cambria Math" panose="02040503050406030204" pitchFamily="18" charset="0"/>
+                  </a:rPr>
+                  <a:t>4</a:t>
+                </a:r>
+              </a:p>
+              <a:p>
+                <a:pPr algn="ctr"/>
+                <a:r>
+                  <a:rPr lang="en-US" altLang="zh-CN" sz="2400" dirty="0">
+                    <a:solidFill>
+                      <a:srgbClr val="4472C4"/>
+                    </a:solidFill>
+                    <a:latin typeface="Cambria Math" panose="02040503050406030204" pitchFamily="18" charset="0"/>
+                    <a:ea typeface="Cambria Math" panose="02040503050406030204" pitchFamily="18" charset="0"/>
+                  </a:rPr>
+                  <a:t>a=0</a:t>
+                </a:r>
+              </a:p>
+              <a:p>
+                <a:pPr algn="ctr"/>
+                <a:r>
+                  <a:rPr lang="en-US" altLang="zh-CN" sz="2400" dirty="0">
+                    <a:solidFill>
+                      <a:srgbClr val="4472C4"/>
+                    </a:solidFill>
+                    <a:latin typeface="Cambria Math" panose="02040503050406030204" pitchFamily="18" charset="0"/>
+                    <a:ea typeface="Cambria Math" panose="02040503050406030204" pitchFamily="18" charset="0"/>
+                  </a:rPr>
+                  <a:t>b=1</a:t>
+                </a:r>
+                <a:endParaRPr lang="zh-CN" altLang="en-US" sz="2400" dirty="0">
+                  <a:solidFill>
+                    <a:srgbClr val="4472C4"/>
+                  </a:solidFill>
+                  <a:latin typeface="Cambria Math" panose="02040503050406030204" pitchFamily="18" charset="0"/>
+                </a:endParaRPr>
+              </a:p>
+            </p:txBody>
+          </p:sp>
+          <p:sp>
+            <p:nvSpPr>
+              <p:cNvPr id="8" name="矩形: 圆角 7">
+                <a:extLst>
+                  <a:ext uri="{FF2B5EF4-FFF2-40B4-BE49-F238E27FC236}">
+                    <a16:creationId xmlns:a16="http://schemas.microsoft.com/office/drawing/2014/main" id="{01577B58-0970-0C99-899E-CF75390936C5}"/>
+                  </a:ext>
+                </a:extLst>
+              </p:cNvPr>
+              <p:cNvSpPr/>
+              <p:nvPr/>
+            </p:nvSpPr>
+            <p:spPr>
+              <a:xfrm>
+                <a:off x="7996988" y="4698332"/>
+                <a:ext cx="1648327" cy="1185110"/>
+              </a:xfrm>
+              <a:prstGeom prst="roundRect">
+                <a:avLst/>
+              </a:prstGeom>
+              <a:solidFill>
+                <a:srgbClr val="4472C4">
+                  <a:alpha val="25098"/>
+                </a:srgbClr>
+              </a:solidFill>
+              <a:ln>
+                <a:solidFill>
+                  <a:srgbClr val="0033CC">
+                    <a:alpha val="30196"/>
+                  </a:srgbClr>
+                </a:solidFill>
+              </a:ln>
+            </p:spPr>
+            <p:style>
+              <a:lnRef idx="2">
+                <a:schemeClr val="accent1">
+                  <a:shade val="50000"/>
+                </a:schemeClr>
+              </a:lnRef>
+              <a:fillRef idx="1">
+                <a:schemeClr val="accent1"/>
+              </a:fillRef>
+              <a:effectRef idx="0">
+                <a:schemeClr val="accent1"/>
+              </a:effectRef>
+              <a:fontRef idx="minor">
+                <a:schemeClr val="lt1"/>
+              </a:fontRef>
+            </p:style>
+            <p:txBody>
+              <a:bodyPr rtlCol="0" anchor="ctr"/>
+              <a:lstStyle/>
+              <a:p>
+                <a:pPr algn="ctr"/>
+                <a:r>
+                  <a:rPr lang="en-US" altLang="zh-CN" sz="2400" dirty="0">
+                    <a:solidFill>
+                      <a:srgbClr val="4472C4"/>
+                    </a:solidFill>
+                    <a:latin typeface="Cambria Math" panose="02040503050406030204" pitchFamily="18" charset="0"/>
+                    <a:ea typeface="Cambria Math" panose="02040503050406030204" pitchFamily="18" charset="0"/>
+                  </a:rPr>
+                  <a:t>5</a:t>
+                </a:r>
+              </a:p>
+              <a:p>
+                <a:pPr algn="ctr"/>
+                <a:r>
+                  <a:rPr lang="en-US" altLang="zh-CN" sz="2400" dirty="0">
+                    <a:solidFill>
+                      <a:srgbClr val="4472C4"/>
+                    </a:solidFill>
+                    <a:latin typeface="Cambria Math" panose="02040503050406030204" pitchFamily="18" charset="0"/>
+                    <a:ea typeface="Cambria Math" panose="02040503050406030204" pitchFamily="18" charset="0"/>
+                  </a:rPr>
+                  <a:t>a=0</a:t>
+                </a:r>
+              </a:p>
+              <a:p>
+                <a:pPr algn="ctr"/>
+                <a:r>
+                  <a:rPr lang="en-US" altLang="zh-CN" sz="2400" dirty="0">
+                    <a:solidFill>
+                      <a:srgbClr val="4472C4"/>
+                    </a:solidFill>
+                    <a:latin typeface="Cambria Math" panose="02040503050406030204" pitchFamily="18" charset="0"/>
+                    <a:ea typeface="Cambria Math" panose="02040503050406030204" pitchFamily="18" charset="0"/>
+                  </a:rPr>
+                  <a:t>b=1</a:t>
+                </a:r>
+                <a:endParaRPr lang="zh-CN" altLang="en-US" sz="2400" dirty="0">
+                  <a:solidFill>
+                    <a:srgbClr val="4472C4"/>
+                  </a:solidFill>
+                  <a:latin typeface="Cambria Math" panose="02040503050406030204" pitchFamily="18" charset="0"/>
+                </a:endParaRPr>
+              </a:p>
+            </p:txBody>
+          </p:sp>
+          <p:sp>
+            <p:nvSpPr>
+              <p:cNvPr id="9" name="矩形: 圆角 8">
+                <a:extLst>
+                  <a:ext uri="{FF2B5EF4-FFF2-40B4-BE49-F238E27FC236}">
+                    <a16:creationId xmlns:a16="http://schemas.microsoft.com/office/drawing/2014/main" id="{06CB7002-57B4-9052-9D49-0825043E42EA}"/>
+                  </a:ext>
+                </a:extLst>
+              </p:cNvPr>
+              <p:cNvSpPr/>
+              <p:nvPr/>
+            </p:nvSpPr>
+            <p:spPr>
+              <a:xfrm>
+                <a:off x="-1155034" y="2648953"/>
+                <a:ext cx="1648327" cy="1185110"/>
+              </a:xfrm>
+              <a:prstGeom prst="roundRect">
+                <a:avLst/>
+              </a:prstGeom>
+              <a:solidFill>
+                <a:srgbClr val="4472C4">
+                  <a:alpha val="25098"/>
+                </a:srgbClr>
+              </a:solidFill>
+              <a:ln>
+                <a:solidFill>
+                  <a:srgbClr val="0033CC">
+                    <a:alpha val="30196"/>
+                  </a:srgbClr>
+                </a:solidFill>
+              </a:ln>
+            </p:spPr>
+            <p:style>
+              <a:lnRef idx="2">
+                <a:schemeClr val="accent1">
+                  <a:shade val="50000"/>
+                </a:schemeClr>
+              </a:lnRef>
+              <a:fillRef idx="1">
+                <a:schemeClr val="accent1"/>
+              </a:fillRef>
+              <a:effectRef idx="0">
+                <a:schemeClr val="accent1"/>
+              </a:effectRef>
+              <a:fontRef idx="minor">
+                <a:schemeClr val="lt1"/>
+              </a:fontRef>
+            </p:style>
+            <p:txBody>
+              <a:bodyPr rtlCol="0" anchor="ctr"/>
+              <a:lstStyle/>
+              <a:p>
+                <a:pPr algn="ctr"/>
+                <a:r>
+                  <a:rPr lang="en-US" altLang="zh-CN" sz="2400" dirty="0">
+                    <a:solidFill>
+                      <a:srgbClr val="4472C4"/>
+                    </a:solidFill>
+                    <a:latin typeface="Cambria Math" panose="02040503050406030204" pitchFamily="18" charset="0"/>
+                    <a:ea typeface="Cambria Math" panose="02040503050406030204" pitchFamily="18" charset="0"/>
+                  </a:rPr>
+                  <a:t>1</a:t>
+                </a:r>
+                <a:endParaRPr lang="zh-CN" altLang="en-US" sz="2400" dirty="0">
+                  <a:solidFill>
+                    <a:srgbClr val="4472C4"/>
+                  </a:solidFill>
+                  <a:latin typeface="Cambria Math" panose="02040503050406030204" pitchFamily="18" charset="0"/>
+                </a:endParaRPr>
+              </a:p>
+            </p:txBody>
+          </p:sp>
+          <p:sp>
+            <p:nvSpPr>
+              <p:cNvPr id="10" name="矩形: 圆角 9">
+                <a:extLst>
+                  <a:ext uri="{FF2B5EF4-FFF2-40B4-BE49-F238E27FC236}">
+                    <a16:creationId xmlns:a16="http://schemas.microsoft.com/office/drawing/2014/main" id="{82554228-718D-232C-4F07-E10B9DF14020}"/>
+                  </a:ext>
+                </a:extLst>
+              </p:cNvPr>
+              <p:cNvSpPr/>
+              <p:nvPr/>
+            </p:nvSpPr>
+            <p:spPr>
+              <a:xfrm>
+                <a:off x="675771" y="2648953"/>
+                <a:ext cx="1648327" cy="1185110"/>
+              </a:xfrm>
+              <a:prstGeom prst="roundRect">
+                <a:avLst/>
+              </a:prstGeom>
+              <a:solidFill>
+                <a:srgbClr val="4472C4">
+                  <a:alpha val="25098"/>
+                </a:srgbClr>
+              </a:solidFill>
+              <a:ln>
+                <a:solidFill>
+                  <a:srgbClr val="0033CC">
+                    <a:alpha val="30196"/>
+                  </a:srgbClr>
+                </a:solidFill>
+              </a:ln>
+            </p:spPr>
+            <p:style>
+              <a:lnRef idx="2">
+                <a:schemeClr val="accent1">
+                  <a:shade val="50000"/>
+                </a:schemeClr>
+              </a:lnRef>
+              <a:fillRef idx="1">
+                <a:schemeClr val="accent1"/>
+              </a:fillRef>
+              <a:effectRef idx="0">
+                <a:schemeClr val="accent1"/>
+              </a:effectRef>
+              <a:fontRef idx="minor">
+                <a:schemeClr val="lt1"/>
+              </a:fontRef>
+            </p:style>
+            <p:txBody>
+              <a:bodyPr rtlCol="0" anchor="ctr"/>
+              <a:lstStyle/>
+              <a:p>
+                <a:pPr algn="ctr"/>
+                <a:r>
+                  <a:rPr lang="en-US" altLang="zh-CN" sz="2400" dirty="0">
+                    <a:solidFill>
+                      <a:srgbClr val="4472C4"/>
+                    </a:solidFill>
+                    <a:latin typeface="Cambria Math" panose="02040503050406030204" pitchFamily="18" charset="0"/>
+                    <a:ea typeface="Cambria Math" panose="02040503050406030204" pitchFamily="18" charset="0"/>
+                  </a:rPr>
+                  <a:t>2</a:t>
+                </a:r>
+              </a:p>
+              <a:p>
+                <a:pPr algn="ctr"/>
+                <a:r>
+                  <a:rPr lang="en-US" altLang="zh-CN" sz="2400" dirty="0">
+                    <a:solidFill>
+                      <a:srgbClr val="4472C4"/>
+                    </a:solidFill>
+                    <a:latin typeface="Cambria Math" panose="02040503050406030204" pitchFamily="18" charset="0"/>
+                    <a:ea typeface="Cambria Math" panose="02040503050406030204" pitchFamily="18" charset="0"/>
+                  </a:rPr>
+                  <a:t>a=1</a:t>
+                </a:r>
+              </a:p>
+              <a:p>
+                <a:pPr algn="ctr"/>
+                <a:r>
+                  <a:rPr lang="en-US" altLang="zh-CN" sz="2400" dirty="0">
+                    <a:solidFill>
+                      <a:srgbClr val="4472C4"/>
+                    </a:solidFill>
+                    <a:latin typeface="Cambria Math" panose="02040503050406030204" pitchFamily="18" charset="0"/>
+                    <a:ea typeface="Cambria Math" panose="02040503050406030204" pitchFamily="18" charset="0"/>
+                  </a:rPr>
+                  <a:t>b=1</a:t>
+                </a:r>
+                <a:endParaRPr lang="zh-CN" altLang="en-US" sz="2400" dirty="0">
+                  <a:solidFill>
+                    <a:srgbClr val="4472C4"/>
+                  </a:solidFill>
+                  <a:latin typeface="Cambria Math" panose="02040503050406030204" pitchFamily="18" charset="0"/>
+                </a:endParaRPr>
+              </a:p>
+            </p:txBody>
+          </p:sp>
+          <p:sp>
+            <p:nvSpPr>
+              <p:cNvPr id="11" name="矩形: 圆角 10">
+                <a:extLst>
+                  <a:ext uri="{FF2B5EF4-FFF2-40B4-BE49-F238E27FC236}">
+                    <a16:creationId xmlns:a16="http://schemas.microsoft.com/office/drawing/2014/main" id="{139975DD-C31D-0BEF-1A61-FC220D2D90AB}"/>
+                  </a:ext>
+                </a:extLst>
+              </p:cNvPr>
+              <p:cNvSpPr/>
+              <p:nvPr/>
+            </p:nvSpPr>
+            <p:spPr>
+              <a:xfrm>
+                <a:off x="2506576" y="2648953"/>
+                <a:ext cx="1648327" cy="1185110"/>
+              </a:xfrm>
+              <a:prstGeom prst="roundRect">
+                <a:avLst/>
+              </a:prstGeom>
+              <a:solidFill>
+                <a:srgbClr val="4472C4">
+                  <a:alpha val="25098"/>
+                </a:srgbClr>
+              </a:solidFill>
+              <a:ln>
+                <a:solidFill>
+                  <a:srgbClr val="0033CC">
+                    <a:alpha val="30196"/>
+                  </a:srgbClr>
+                </a:solidFill>
+              </a:ln>
+            </p:spPr>
+            <p:style>
+              <a:lnRef idx="2">
+                <a:schemeClr val="accent1">
+                  <a:shade val="50000"/>
+                </a:schemeClr>
+              </a:lnRef>
+              <a:fillRef idx="1">
+                <a:schemeClr val="accent1"/>
+              </a:fillRef>
+              <a:effectRef idx="0">
+                <a:schemeClr val="accent1"/>
+              </a:effectRef>
+              <a:fontRef idx="minor">
+                <a:schemeClr val="lt1"/>
+              </a:fontRef>
+            </p:style>
+            <p:txBody>
+              <a:bodyPr rtlCol="0" anchor="ctr"/>
+              <a:lstStyle/>
+              <a:p>
+                <a:pPr algn="ctr"/>
+                <a:r>
+                  <a:rPr lang="en-US" altLang="zh-CN" sz="2400" dirty="0">
+                    <a:solidFill>
+                      <a:srgbClr val="4472C4"/>
+                    </a:solidFill>
+                    <a:latin typeface="Cambria Math" panose="02040503050406030204" pitchFamily="18" charset="0"/>
+                    <a:ea typeface="Cambria Math" panose="02040503050406030204" pitchFamily="18" charset="0"/>
+                  </a:rPr>
+                  <a:t>3</a:t>
+                </a:r>
+              </a:p>
+              <a:p>
+                <a:pPr algn="ctr"/>
+                <a:r>
+                  <a:rPr lang="en-US" altLang="zh-CN" sz="2400" dirty="0">
+                    <a:solidFill>
+                      <a:srgbClr val="4472C4"/>
+                    </a:solidFill>
+                    <a:latin typeface="Cambria Math" panose="02040503050406030204" pitchFamily="18" charset="0"/>
+                    <a:ea typeface="Cambria Math" panose="02040503050406030204" pitchFamily="18" charset="0"/>
+                  </a:rPr>
+                  <a:t>a=1</a:t>
+                </a:r>
+              </a:p>
+              <a:p>
+                <a:pPr algn="ctr"/>
+                <a:r>
+                  <a:rPr lang="en-US" altLang="zh-CN" sz="2400" dirty="0">
+                    <a:solidFill>
+                      <a:srgbClr val="4472C4"/>
+                    </a:solidFill>
+                    <a:latin typeface="Cambria Math" panose="02040503050406030204" pitchFamily="18" charset="0"/>
+                    <a:ea typeface="Cambria Math" panose="02040503050406030204" pitchFamily="18" charset="0"/>
+                  </a:rPr>
+                  <a:t>b=1</a:t>
+                </a:r>
+                <a:endParaRPr lang="zh-CN" altLang="en-US" sz="2400" dirty="0">
+                  <a:solidFill>
+                    <a:srgbClr val="4472C4"/>
+                  </a:solidFill>
+                  <a:latin typeface="Cambria Math" panose="02040503050406030204" pitchFamily="18" charset="0"/>
+                </a:endParaRPr>
+              </a:p>
+            </p:txBody>
+          </p:sp>
+          <p:sp>
+            <p:nvSpPr>
+              <p:cNvPr id="12" name="矩形: 圆角 11">
+                <a:extLst>
+                  <a:ext uri="{FF2B5EF4-FFF2-40B4-BE49-F238E27FC236}">
+                    <a16:creationId xmlns:a16="http://schemas.microsoft.com/office/drawing/2014/main" id="{2EF6DA42-A3E3-8BEB-B80D-2A0E32AC30FB}"/>
+                  </a:ext>
+                </a:extLst>
+              </p:cNvPr>
+              <p:cNvSpPr/>
+              <p:nvPr/>
+            </p:nvSpPr>
+            <p:spPr>
+              <a:xfrm>
+                <a:off x="4337381" y="2648953"/>
+                <a:ext cx="1648327" cy="1185110"/>
+              </a:xfrm>
+              <a:prstGeom prst="roundRect">
+                <a:avLst/>
+              </a:prstGeom>
+              <a:solidFill>
+                <a:srgbClr val="4472C4">
+                  <a:alpha val="25098"/>
+                </a:srgbClr>
+              </a:solidFill>
+              <a:ln>
+                <a:solidFill>
+                  <a:srgbClr val="0033CC">
+                    <a:alpha val="30196"/>
+                  </a:srgbClr>
+                </a:solidFill>
+              </a:ln>
+            </p:spPr>
+            <p:style>
+              <a:lnRef idx="2">
+                <a:schemeClr val="accent1">
+                  <a:shade val="50000"/>
+                </a:schemeClr>
+              </a:lnRef>
+              <a:fillRef idx="1">
+                <a:schemeClr val="accent1"/>
+              </a:fillRef>
+              <a:effectRef idx="0">
+                <a:schemeClr val="accent1"/>
+              </a:effectRef>
+              <a:fontRef idx="minor">
+                <a:schemeClr val="lt1"/>
+              </a:fontRef>
+            </p:style>
+            <p:txBody>
+              <a:bodyPr rtlCol="0" anchor="ctr"/>
+              <a:lstStyle/>
+              <a:p>
+                <a:pPr algn="ctr"/>
+                <a:r>
+                  <a:rPr lang="en-US" altLang="zh-CN" sz="2400" dirty="0">
+                    <a:solidFill>
+                      <a:srgbClr val="4472C4"/>
+                    </a:solidFill>
+                    <a:latin typeface="Cambria Math" panose="02040503050406030204" pitchFamily="18" charset="0"/>
+                    <a:ea typeface="Cambria Math" panose="02040503050406030204" pitchFamily="18" charset="0"/>
+                  </a:rPr>
+                  <a:t>4</a:t>
+                </a:r>
+              </a:p>
+              <a:p>
+                <a:pPr algn="ctr"/>
+                <a:r>
+                  <a:rPr lang="en-US" altLang="zh-CN" sz="2400" dirty="0">
+                    <a:solidFill>
+                      <a:srgbClr val="4472C4"/>
+                    </a:solidFill>
+                    <a:latin typeface="Cambria Math" panose="02040503050406030204" pitchFamily="18" charset="0"/>
+                    <a:ea typeface="Cambria Math" panose="02040503050406030204" pitchFamily="18" charset="0"/>
+                  </a:rPr>
+                  <a:t>a=1</a:t>
+                </a:r>
+              </a:p>
+              <a:p>
+                <a:pPr algn="ctr"/>
+                <a:r>
+                  <a:rPr lang="en-US" altLang="zh-CN" sz="2400" dirty="0">
+                    <a:solidFill>
+                      <a:srgbClr val="4472C4"/>
+                    </a:solidFill>
+                    <a:latin typeface="Cambria Math" panose="02040503050406030204" pitchFamily="18" charset="0"/>
+                    <a:ea typeface="Cambria Math" panose="02040503050406030204" pitchFamily="18" charset="0"/>
+                  </a:rPr>
+                  <a:t>b=1</a:t>
+                </a:r>
+                <a:endParaRPr lang="zh-CN" altLang="en-US" sz="2400" dirty="0">
+                  <a:solidFill>
+                    <a:srgbClr val="4472C4"/>
+                  </a:solidFill>
+                  <a:latin typeface="Cambria Math" panose="02040503050406030204" pitchFamily="18" charset="0"/>
+                </a:endParaRPr>
+              </a:p>
+            </p:txBody>
+          </p:sp>
+          <p:sp>
+            <p:nvSpPr>
+              <p:cNvPr id="13" name="矩形: 圆角 12">
+                <a:extLst>
+                  <a:ext uri="{FF2B5EF4-FFF2-40B4-BE49-F238E27FC236}">
+                    <a16:creationId xmlns:a16="http://schemas.microsoft.com/office/drawing/2014/main" id="{8B2AC306-FDF7-3BCF-A4F6-7827985CC5B1}"/>
+                  </a:ext>
+                </a:extLst>
+              </p:cNvPr>
+              <p:cNvSpPr/>
+              <p:nvPr/>
+            </p:nvSpPr>
+            <p:spPr>
+              <a:xfrm>
+                <a:off x="6168186" y="2648953"/>
+                <a:ext cx="1648327" cy="1185110"/>
+              </a:xfrm>
+              <a:prstGeom prst="roundRect">
+                <a:avLst/>
+              </a:prstGeom>
+              <a:solidFill>
+                <a:srgbClr val="4472C4">
+                  <a:alpha val="25098"/>
+                </a:srgbClr>
+              </a:solidFill>
+              <a:ln>
+                <a:solidFill>
+                  <a:srgbClr val="0033CC">
+                    <a:alpha val="30196"/>
+                  </a:srgbClr>
+                </a:solidFill>
+              </a:ln>
+            </p:spPr>
+            <p:style>
+              <a:lnRef idx="2">
+                <a:schemeClr val="accent1">
+                  <a:shade val="50000"/>
+                </a:schemeClr>
+              </a:lnRef>
+              <a:fillRef idx="1">
+                <a:schemeClr val="accent1"/>
+              </a:fillRef>
+              <a:effectRef idx="0">
+                <a:schemeClr val="accent1"/>
+              </a:effectRef>
+              <a:fontRef idx="minor">
+                <a:schemeClr val="lt1"/>
+              </a:fontRef>
+            </p:style>
+            <p:txBody>
+              <a:bodyPr rtlCol="0" anchor="ctr"/>
+              <a:lstStyle/>
+              <a:p>
+                <a:pPr algn="ctr"/>
+                <a:r>
+                  <a:rPr lang="en-US" altLang="zh-CN" sz="2400" dirty="0">
+                    <a:solidFill>
+                      <a:srgbClr val="4472C4"/>
+                    </a:solidFill>
+                    <a:latin typeface="Cambria Math" panose="02040503050406030204" pitchFamily="18" charset="0"/>
+                    <a:ea typeface="Cambria Math" panose="02040503050406030204" pitchFamily="18" charset="0"/>
+                  </a:rPr>
+                  <a:t>5</a:t>
+                </a:r>
+              </a:p>
+              <a:p>
+                <a:pPr algn="ctr"/>
+                <a:r>
+                  <a:rPr lang="en-US" altLang="zh-CN" sz="2400" dirty="0">
+                    <a:solidFill>
+                      <a:srgbClr val="4472C4"/>
+                    </a:solidFill>
+                    <a:latin typeface="Cambria Math" panose="02040503050406030204" pitchFamily="18" charset="0"/>
+                    <a:ea typeface="Cambria Math" panose="02040503050406030204" pitchFamily="18" charset="0"/>
+                  </a:rPr>
+                  <a:t>a=1</a:t>
+                </a:r>
+              </a:p>
+              <a:p>
+                <a:pPr algn="ctr"/>
+                <a:r>
+                  <a:rPr lang="en-US" altLang="zh-CN" sz="2400" dirty="0">
+                    <a:solidFill>
+                      <a:srgbClr val="4472C4"/>
+                    </a:solidFill>
+                    <a:latin typeface="Cambria Math" panose="02040503050406030204" pitchFamily="18" charset="0"/>
+                    <a:ea typeface="Cambria Math" panose="02040503050406030204" pitchFamily="18" charset="0"/>
+                  </a:rPr>
+                  <a:t>b=1</a:t>
+                </a:r>
+                <a:endParaRPr lang="zh-CN" altLang="en-US" sz="2400" dirty="0">
+                  <a:solidFill>
+                    <a:srgbClr val="4472C4"/>
+                  </a:solidFill>
+                  <a:latin typeface="Cambria Math" panose="02040503050406030204" pitchFamily="18" charset="0"/>
+                </a:endParaRPr>
+              </a:p>
+            </p:txBody>
+          </p:sp>
+        </p:grpSp>
+        <p:cxnSp>
+          <p:nvCxnSpPr>
+            <p:cNvPr id="16" name="直接箭头连接符 15">
+              <a:extLst>
+                <a:ext uri="{FF2B5EF4-FFF2-40B4-BE49-F238E27FC236}">
+                  <a16:creationId xmlns:a16="http://schemas.microsoft.com/office/drawing/2014/main" id="{38558D7F-5729-8CF0-BB4B-FFF1B7390D50}"/>
+                </a:ext>
+              </a:extLst>
+            </p:cNvPr>
+            <p:cNvCxnSpPr>
+              <a:stCxn id="4" idx="0"/>
+              <a:endCxn id="10" idx="2"/>
+            </p:cNvCxnSpPr>
+            <p:nvPr/>
+          </p:nvCxnSpPr>
+          <p:spPr>
+            <a:xfrm flipV="1">
+              <a:off x="3785940" y="4103772"/>
+              <a:ext cx="4007" cy="864268"/>
+            </a:xfrm>
+            <a:prstGeom prst="straightConnector1">
+              <a:avLst/>
+            </a:prstGeom>
+            <a:ln>
+              <a:tailEnd type="triangle"/>
+            </a:ln>
+          </p:spPr>
+          <p:style>
+            <a:lnRef idx="1">
+              <a:schemeClr val="accent1"/>
+            </a:lnRef>
+            <a:fillRef idx="0">
+              <a:schemeClr val="accent1"/>
+            </a:fillRef>
+            <a:effectRef idx="0">
+              <a:schemeClr val="accent1"/>
+            </a:effectRef>
+            <a:fontRef idx="minor">
+              <a:schemeClr val="tx1"/>
+            </a:fontRef>
+          </p:style>
+        </p:cxnSp>
+        <p:cxnSp>
+          <p:nvCxnSpPr>
+            <p:cNvPr id="17" name="直接箭头连接符 16">
+              <a:extLst>
+                <a:ext uri="{FF2B5EF4-FFF2-40B4-BE49-F238E27FC236}">
+                  <a16:creationId xmlns:a16="http://schemas.microsoft.com/office/drawing/2014/main" id="{88F54990-1C71-03BA-D55E-EDA312AF9FEB}"/>
+                </a:ext>
+              </a:extLst>
+            </p:cNvPr>
+            <p:cNvCxnSpPr>
+              <a:cxnSpLocks/>
+              <a:stCxn id="5" idx="0"/>
+              <a:endCxn id="11" idx="2"/>
+            </p:cNvCxnSpPr>
+            <p:nvPr/>
+          </p:nvCxnSpPr>
+          <p:spPr>
+            <a:xfrm flipV="1">
+              <a:off x="5618749" y="4103772"/>
+              <a:ext cx="2003" cy="864269"/>
+            </a:xfrm>
+            <a:prstGeom prst="straightConnector1">
+              <a:avLst/>
+            </a:prstGeom>
+            <a:ln>
+              <a:tailEnd type="triangle"/>
+            </a:ln>
+          </p:spPr>
+          <p:style>
+            <a:lnRef idx="1">
+              <a:schemeClr val="accent1"/>
+            </a:lnRef>
+            <a:fillRef idx="0">
+              <a:schemeClr val="accent1"/>
+            </a:fillRef>
+            <a:effectRef idx="0">
+              <a:schemeClr val="accent1"/>
+            </a:effectRef>
+            <a:fontRef idx="minor">
+              <a:schemeClr val="tx1"/>
+            </a:fontRef>
+          </p:style>
+        </p:cxnSp>
+        <p:cxnSp>
+          <p:nvCxnSpPr>
+            <p:cNvPr id="20" name="直接箭头连接符 19">
+              <a:extLst>
+                <a:ext uri="{FF2B5EF4-FFF2-40B4-BE49-F238E27FC236}">
+                  <a16:creationId xmlns:a16="http://schemas.microsoft.com/office/drawing/2014/main" id="{124C1226-33CC-5999-F929-1540FCC3120C}"/>
+                </a:ext>
+              </a:extLst>
+            </p:cNvPr>
+            <p:cNvCxnSpPr>
+              <a:cxnSpLocks/>
+              <a:stCxn id="6" idx="0"/>
+              <a:endCxn id="12" idx="2"/>
+            </p:cNvCxnSpPr>
+            <p:nvPr/>
+          </p:nvCxnSpPr>
+          <p:spPr>
+            <a:xfrm flipV="1">
+              <a:off x="7449554" y="4103772"/>
+              <a:ext cx="2003" cy="864269"/>
+            </a:xfrm>
+            <a:prstGeom prst="straightConnector1">
+              <a:avLst/>
+            </a:prstGeom>
+            <a:ln>
+              <a:tailEnd type="triangle"/>
+            </a:ln>
+          </p:spPr>
+          <p:style>
+            <a:lnRef idx="1">
+              <a:schemeClr val="accent1"/>
+            </a:lnRef>
+            <a:fillRef idx="0">
+              <a:schemeClr val="accent1"/>
+            </a:fillRef>
+            <a:effectRef idx="0">
+              <a:schemeClr val="accent1"/>
+            </a:effectRef>
+            <a:fontRef idx="minor">
+              <a:schemeClr val="tx1"/>
+            </a:fontRef>
+          </p:style>
+        </p:cxnSp>
+        <p:cxnSp>
+          <p:nvCxnSpPr>
+            <p:cNvPr id="23" name="直接箭头连接符 22">
+              <a:extLst>
+                <a:ext uri="{FF2B5EF4-FFF2-40B4-BE49-F238E27FC236}">
+                  <a16:creationId xmlns:a16="http://schemas.microsoft.com/office/drawing/2014/main" id="{1B7F179A-354A-14EE-8BBF-16201B4A2E47}"/>
+                </a:ext>
+              </a:extLst>
+            </p:cNvPr>
+            <p:cNvCxnSpPr>
+              <a:cxnSpLocks/>
+              <a:stCxn id="7" idx="0"/>
+              <a:endCxn id="13" idx="2"/>
+            </p:cNvCxnSpPr>
+            <p:nvPr/>
+          </p:nvCxnSpPr>
+          <p:spPr>
+            <a:xfrm flipV="1">
+              <a:off x="9280359" y="4103772"/>
+              <a:ext cx="2003" cy="864269"/>
+            </a:xfrm>
+            <a:prstGeom prst="straightConnector1">
+              <a:avLst/>
+            </a:prstGeom>
+            <a:ln>
+              <a:tailEnd type="triangle"/>
+            </a:ln>
+          </p:spPr>
+          <p:style>
+            <a:lnRef idx="1">
+              <a:schemeClr val="accent1"/>
+            </a:lnRef>
+            <a:fillRef idx="0">
+              <a:schemeClr val="accent1"/>
+            </a:fillRef>
+            <a:effectRef idx="0">
+              <a:schemeClr val="accent1"/>
+            </a:effectRef>
+            <a:fontRef idx="minor">
+              <a:schemeClr val="tx1"/>
+            </a:fontRef>
+          </p:style>
+        </p:cxnSp>
+      </p:grpSp>
+    </p:spTree>
+    <p:extLst>
+      <p:ext uri="{BB962C8B-B14F-4D97-AF65-F5344CB8AC3E}">
+        <p14:creationId xmlns:p14="http://schemas.microsoft.com/office/powerpoint/2010/main" val="718872367"/>
+      </p:ext>
+    </p:extLst>
+  </p:cSld>
+  <p:clrMapOvr>
+    <a:masterClrMapping/>
+  </p:clrMapOvr>
+</p:sld>
+</file>
+
 <file path=ppt/theme/theme1.xml><?xml version="1.0" encoding="utf-8"?>
 <a:theme xmlns:a="http://schemas.openxmlformats.org/drawingml/2006/main" name="Office 主题​​">
   <a:themeElements>
